--- a/Lecture4_Operator_String .pptx
+++ b/Lecture4_Operator_String .pptx
@@ -221,7 +221,7 @@
           <a:p>
             <a:fld id="{6F8F50F7-979F-417A-9318-F7435AFE106D}" type="datetimeFigureOut">
               <a:rPr lang="en-US" smtClean="0"/>
-              <a:t>25-May-24</a:t>
+              <a:t>26-May-24</a:t>
             </a:fld>
             <a:endParaRPr lang="en-US"/>
           </a:p>
@@ -760,7 +760,7 @@
           <a:p>
             <a:fld id="{47141F06-E794-4EFC-981D-77C364B52985}" type="datetime1">
               <a:rPr lang="en-US" smtClean="0"/>
-              <a:t>25-May-24</a:t>
+              <a:t>26-May-24</a:t>
             </a:fld>
             <a:endParaRPr lang="en-US"/>
           </a:p>
@@ -1098,7 +1098,7 @@
           <a:p>
             <a:fld id="{B33B1352-D31E-478B-BBB3-EC404CB27062}" type="datetime1">
               <a:rPr lang="en-US" smtClean="0"/>
-              <a:t>25-May-24</a:t>
+              <a:t>26-May-24</a:t>
             </a:fld>
             <a:endParaRPr lang="en-US" dirty="0"/>
           </a:p>
@@ -1500,7 +1500,7 @@
           <a:p>
             <a:fld id="{ED5895FA-2F59-4FD8-AF9F-C07D99803CC4}" type="datetime1">
               <a:rPr lang="en-US" smtClean="0"/>
-              <a:t>25-May-24</a:t>
+              <a:t>26-May-24</a:t>
             </a:fld>
             <a:endParaRPr lang="en-US" dirty="0"/>
           </a:p>
@@ -1837,7 +1837,7 @@
           <a:p>
             <a:fld id="{78FE75F4-FB67-4627-9C8C-07FE36C94A78}" type="datetime1">
               <a:rPr lang="en-US" smtClean="0"/>
-              <a:t>25-May-24</a:t>
+              <a:t>26-May-24</a:t>
             </a:fld>
             <a:endParaRPr lang="en-US" dirty="0"/>
           </a:p>
@@ -2158,7 +2158,7 @@
           <a:p>
             <a:fld id="{D66D566D-C8DC-41F0-B4D1-87E599ACA3EA}" type="datetime1">
               <a:rPr lang="en-US" smtClean="0"/>
-              <a:t>25-May-24</a:t>
+              <a:t>26-May-24</a:t>
             </a:fld>
             <a:endParaRPr lang="en-US" dirty="0"/>
           </a:p>
@@ -2555,7 +2555,7 @@
           <a:p>
             <a:fld id="{6853EEDA-58A2-49D8-80CE-676D5887B457}" type="datetime1">
               <a:rPr lang="en-US" smtClean="0"/>
-              <a:t>25-May-24</a:t>
+              <a:t>26-May-24</a:t>
             </a:fld>
             <a:endParaRPr lang="en-US" dirty="0"/>
           </a:p>
@@ -2813,7 +2813,7 @@
           <a:p>
             <a:fld id="{1140E4F1-A413-4120-B1BE-CFCD0522E21F}" type="datetime1">
               <a:rPr lang="en-US" smtClean="0"/>
-              <a:t>25-May-24</a:t>
+              <a:t>26-May-24</a:t>
             </a:fld>
             <a:endParaRPr lang="en-US" dirty="0"/>
           </a:p>
@@ -3076,7 +3076,7 @@
           <a:p>
             <a:fld id="{FC5D1D4D-915C-40C4-B564-6BB76950728A}" type="datetime1">
               <a:rPr lang="en-US" smtClean="0"/>
-              <a:t>25-May-24</a:t>
+              <a:t>26-May-24</a:t>
             </a:fld>
             <a:endParaRPr lang="en-US" dirty="0"/>
           </a:p>
@@ -3339,7 +3339,7 @@
           <a:p>
             <a:fld id="{54C06224-B53B-4FE2-BA7A-AB5C0CD11AE8}" type="datetime1">
               <a:rPr lang="en-US" smtClean="0"/>
-              <a:t>25-May-24</a:t>
+              <a:t>26-May-24</a:t>
             </a:fld>
             <a:endParaRPr lang="en-US" dirty="0"/>
           </a:p>
@@ -3669,7 +3669,7 @@
           <a:p>
             <a:fld id="{BC176B63-8C3E-45E9-839C-4A497BD5833F}" type="datetime1">
               <a:rPr lang="en-US" smtClean="0"/>
-              <a:t>25-May-24</a:t>
+              <a:t>26-May-24</a:t>
             </a:fld>
             <a:endParaRPr lang="en-US" dirty="0"/>
           </a:p>
@@ -3992,7 +3992,7 @@
           <a:p>
             <a:fld id="{82A578A0-1F92-4525-A89A-BE254CA332B1}" type="datetime1">
               <a:rPr lang="en-US" smtClean="0"/>
-              <a:t>25-May-24</a:t>
+              <a:t>26-May-24</a:t>
             </a:fld>
             <a:endParaRPr lang="en-US" dirty="0"/>
           </a:p>
@@ -4450,7 +4450,7 @@
           <a:p>
             <a:fld id="{CB4C81B7-5274-45A6-92AD-02F8843029E3}" type="datetime1">
               <a:rPr lang="en-US" smtClean="0"/>
-              <a:t>25-May-24</a:t>
+              <a:t>26-May-24</a:t>
             </a:fld>
             <a:endParaRPr lang="en-US" dirty="0"/>
           </a:p>
@@ -4656,7 +4656,7 @@
           <a:p>
             <a:fld id="{A424BBCC-91F7-4ACB-A2E9-66DFDD6A36A5}" type="datetime1">
               <a:rPr lang="en-US" smtClean="0"/>
-              <a:t>25-May-24</a:t>
+              <a:t>26-May-24</a:t>
             </a:fld>
             <a:endParaRPr lang="en-US" dirty="0"/>
           </a:p>
@@ -4833,7 +4833,7 @@
           <a:p>
             <a:fld id="{BF9FE816-900F-4075-995B-132733144297}" type="datetime1">
               <a:rPr lang="en-US" smtClean="0"/>
-              <a:t>25-May-24</a:t>
+              <a:t>26-May-24</a:t>
             </a:fld>
             <a:endParaRPr lang="en-US" dirty="0"/>
           </a:p>
@@ -5166,7 +5166,7 @@
           <a:p>
             <a:fld id="{757EC048-7AC1-4542-9E95-384F191C2DC9}" type="datetime1">
               <a:rPr lang="en-US" smtClean="0"/>
-              <a:t>25-May-24</a:t>
+              <a:t>26-May-24</a:t>
             </a:fld>
             <a:endParaRPr lang="en-US" dirty="0"/>
           </a:p>
@@ -5512,7 +5512,7 @@
           <a:p>
             <a:fld id="{FD2470BC-96A7-4EB4-B1D8-3C308F46B902}" type="datetime1">
               <a:rPr lang="en-US" smtClean="0"/>
-              <a:t>25-May-24</a:t>
+              <a:t>26-May-24</a:t>
             </a:fld>
             <a:endParaRPr lang="en-US" dirty="0"/>
           </a:p>
@@ -7629,7 +7629,7 @@
           <a:p>
             <a:fld id="{8027C177-9F26-4481-A976-C3DABC3516E1}" type="datetime1">
               <a:rPr lang="en-US" smtClean="0"/>
-              <a:t>25-May-24</a:t>
+              <a:t>26-May-24</a:t>
             </a:fld>
             <a:endParaRPr lang="en-US" dirty="0"/>
           </a:p>
@@ -8187,7 +8187,7 @@
               <a:buNone/>
             </a:pPr>
             <a:r>
-              <a:rPr lang="en-US" sz="4600" kern="0" spc="-181" dirty="0">
+              <a:rPr lang="en-US" sz="4400" kern="0" spc="-181" dirty="0">
                 <a:solidFill>
                   <a:srgbClr val="2C3F42"/>
                 </a:solidFill>
